--- a/S_RWD_Design_102820011潘俊廷.pptx
+++ b/S_RWD_Design_102820011潘俊廷.pptx
@@ -304,7 +304,7 @@
           <a:p>
             <a:fld id="{AAB18223-73C3-4484-B883-EAD5452EB624}" type="datetimeFigureOut">
               <a:rPr lang="zh-TW" altLang="en-US" smtClean="0"/>
-              <a:t>2016/5/16</a:t>
+              <a:t>2016/5/22</a:t>
             </a:fld>
             <a:endParaRPr lang="zh-TW" altLang="en-US"/>
           </a:p>
@@ -474,7 +474,7 @@
           <a:p>
             <a:fld id="{AAB18223-73C3-4484-B883-EAD5452EB624}" type="datetimeFigureOut">
               <a:rPr lang="zh-TW" altLang="en-US" smtClean="0"/>
-              <a:t>2016/5/16</a:t>
+              <a:t>2016/5/22</a:t>
             </a:fld>
             <a:endParaRPr lang="zh-TW" altLang="en-US"/>
           </a:p>
@@ -654,7 +654,7 @@
           <a:p>
             <a:fld id="{AAB18223-73C3-4484-B883-EAD5452EB624}" type="datetimeFigureOut">
               <a:rPr lang="zh-TW" altLang="en-US" smtClean="0"/>
-              <a:t>2016/5/16</a:t>
+              <a:t>2016/5/22</a:t>
             </a:fld>
             <a:endParaRPr lang="zh-TW" altLang="en-US"/>
           </a:p>
@@ -824,7 +824,7 @@
           <a:p>
             <a:fld id="{AAB18223-73C3-4484-B883-EAD5452EB624}" type="datetimeFigureOut">
               <a:rPr lang="zh-TW" altLang="en-US" smtClean="0"/>
-              <a:t>2016/5/16</a:t>
+              <a:t>2016/5/22</a:t>
             </a:fld>
             <a:endParaRPr lang="zh-TW" altLang="en-US"/>
           </a:p>
@@ -1070,7 +1070,7 @@
           <a:p>
             <a:fld id="{AAB18223-73C3-4484-B883-EAD5452EB624}" type="datetimeFigureOut">
               <a:rPr lang="zh-TW" altLang="en-US" smtClean="0"/>
-              <a:t>2016/5/16</a:t>
+              <a:t>2016/5/22</a:t>
             </a:fld>
             <a:endParaRPr lang="zh-TW" altLang="en-US"/>
           </a:p>
@@ -1358,7 +1358,7 @@
           <a:p>
             <a:fld id="{AAB18223-73C3-4484-B883-EAD5452EB624}" type="datetimeFigureOut">
               <a:rPr lang="zh-TW" altLang="en-US" smtClean="0"/>
-              <a:t>2016/5/16</a:t>
+              <a:t>2016/5/22</a:t>
             </a:fld>
             <a:endParaRPr lang="zh-TW" altLang="en-US"/>
           </a:p>
@@ -1785,7 +1785,7 @@
           <a:p>
             <a:fld id="{AAB18223-73C3-4484-B883-EAD5452EB624}" type="datetimeFigureOut">
               <a:rPr lang="zh-TW" altLang="en-US" smtClean="0"/>
-              <a:t>2016/5/16</a:t>
+              <a:t>2016/5/22</a:t>
             </a:fld>
             <a:endParaRPr lang="zh-TW" altLang="en-US"/>
           </a:p>
@@ -1903,7 +1903,7 @@
           <a:p>
             <a:fld id="{AAB18223-73C3-4484-B883-EAD5452EB624}" type="datetimeFigureOut">
               <a:rPr lang="zh-TW" altLang="en-US" smtClean="0"/>
-              <a:t>2016/5/16</a:t>
+              <a:t>2016/5/22</a:t>
             </a:fld>
             <a:endParaRPr lang="zh-TW" altLang="en-US"/>
           </a:p>
@@ -1998,7 +1998,7 @@
           <a:p>
             <a:fld id="{AAB18223-73C3-4484-B883-EAD5452EB624}" type="datetimeFigureOut">
               <a:rPr lang="zh-TW" altLang="en-US" smtClean="0"/>
-              <a:t>2016/5/16</a:t>
+              <a:t>2016/5/22</a:t>
             </a:fld>
             <a:endParaRPr lang="zh-TW" altLang="en-US"/>
           </a:p>
@@ -2275,7 +2275,7 @@
           <a:p>
             <a:fld id="{AAB18223-73C3-4484-B883-EAD5452EB624}" type="datetimeFigureOut">
               <a:rPr lang="zh-TW" altLang="en-US" smtClean="0"/>
-              <a:t>2016/5/16</a:t>
+              <a:t>2016/5/22</a:t>
             </a:fld>
             <a:endParaRPr lang="zh-TW" altLang="en-US"/>
           </a:p>
@@ -2528,7 +2528,7 @@
           <a:p>
             <a:fld id="{AAB18223-73C3-4484-B883-EAD5452EB624}" type="datetimeFigureOut">
               <a:rPr lang="zh-TW" altLang="en-US" smtClean="0"/>
-              <a:t>2016/5/16</a:t>
+              <a:t>2016/5/22</a:t>
             </a:fld>
             <a:endParaRPr lang="zh-TW" altLang="en-US"/>
           </a:p>
@@ -2741,7 +2741,7 @@
           <a:p>
             <a:fld id="{AAB18223-73C3-4484-B883-EAD5452EB624}" type="datetimeFigureOut">
               <a:rPr lang="zh-TW" altLang="en-US" smtClean="0"/>
-              <a:t>2016/5/16</a:t>
+              <a:t>2016/5/22</a:t>
             </a:fld>
             <a:endParaRPr lang="zh-TW" altLang="en-US"/>
           </a:p>
@@ -3841,30 +3841,6 @@
           </p:txBody>
         </p:sp>
       </p:grpSp>
-      <p:pic>
-        <p:nvPicPr>
-          <p:cNvPr id="21" name="圖片 20"/>
-          <p:cNvPicPr>
-            <a:picLocks noChangeAspect="1"/>
-          </p:cNvPicPr>
-          <p:nvPr/>
-        </p:nvPicPr>
-        <p:blipFill>
-          <a:blip r:embed="rId4"/>
-          <a:stretch>
-            <a:fillRect/>
-          </a:stretch>
-        </p:blipFill>
-        <p:spPr>
-          <a:xfrm>
-            <a:off x="2592151" y="91276"/>
-            <a:ext cx="356940" cy="356940"/>
-          </a:xfrm>
-          <a:prstGeom prst="rect">
-            <a:avLst/>
-          </a:prstGeom>
-        </p:spPr>
-      </p:pic>
       <p:sp>
         <p:nvSpPr>
           <p:cNvPr id="22" name="矩形 21"/>
@@ -3981,15 +3957,7 @@
                   <a:schemeClr val="tx1"/>
                 </a:solidFill>
               </a:rPr>
-              <a:t>JOIN </a:t>
-            </a:r>
-            <a:r>
-              <a:rPr lang="en-US" altLang="zh-TW" b="1" cap="all" dirty="0">
-                <a:solidFill>
-                  <a:schemeClr val="tx1"/>
-                </a:solidFill>
-              </a:rPr>
-              <a:t>THE CLUB</a:t>
+              <a:t>JOIN THE CLUB</a:t>
             </a:r>
           </a:p>
         </p:txBody>
@@ -4056,7 +4024,7 @@
           <p:nvPr/>
         </p:nvPicPr>
         <p:blipFill>
-          <a:blip r:embed="rId5">
+          <a:blip r:embed="rId4">
             <a:extLst>
               <a:ext uri="{28A0092B-C50C-407E-A947-70E740481C1C}">
                 <a14:useLocalDpi xmlns:a14="http://schemas.microsoft.com/office/drawing/2010/main" val="0"/>
@@ -4190,7 +4158,7 @@
             <p:nvPr/>
           </p:nvPicPr>
           <p:blipFill>
-            <a:blip r:embed="rId6">
+            <a:blip r:embed="rId5">
               <a:extLst>
                 <a:ext uri="{28A0092B-C50C-407E-A947-70E740481C1C}">
                   <a14:useLocalDpi xmlns:a14="http://schemas.microsoft.com/office/drawing/2010/main" val="0"/>
@@ -4220,7 +4188,7 @@
             <p:nvPr/>
           </p:nvPicPr>
           <p:blipFill>
-            <a:blip r:embed="rId7">
+            <a:blip r:embed="rId6">
               <a:extLst>
                 <a:ext uri="{28A0092B-C50C-407E-A947-70E740481C1C}">
                   <a14:useLocalDpi xmlns:a14="http://schemas.microsoft.com/office/drawing/2010/main" val="0"/>
@@ -4250,7 +4218,7 @@
             <p:nvPr/>
           </p:nvPicPr>
           <p:blipFill>
-            <a:blip r:embed="rId8">
+            <a:blip r:embed="rId7">
               <a:extLst>
                 <a:ext uri="{28A0092B-C50C-407E-A947-70E740481C1C}">
                   <a14:useLocalDpi xmlns:a14="http://schemas.microsoft.com/office/drawing/2010/main" val="0"/>
@@ -4465,7 +4433,7 @@
           </a:p>
           <a:p>
             <a:r>
-              <a:rPr lang="en-US" altLang="zh-TW" sz="1400" dirty="0">
+              <a:rPr lang="en-US" altLang="zh-TW" sz="1400" dirty="0" smtClean="0">
                 <a:solidFill>
                   <a:schemeClr val="tx1"/>
                 </a:solidFill>
@@ -4474,21 +4442,26 @@
             </a:r>
           </a:p>
           <a:p>
+            <a:endParaRPr lang="en-US" altLang="zh-TW" sz="1400" dirty="0" smtClean="0">
+              <a:solidFill>
+                <a:schemeClr val="tx1"/>
+              </a:solidFill>
+            </a:endParaRPr>
+          </a:p>
+          <a:p>
+            <a:r>
+              <a:rPr lang="en-US" altLang="zh-TW" sz="1400" dirty="0" smtClean="0">
+                <a:solidFill>
+                  <a:schemeClr val="tx1"/>
+                </a:solidFill>
+              </a:rPr>
+              <a:t>BLOG</a:t>
+            </a:r>
             <a:endParaRPr lang="en-US" altLang="zh-TW" sz="1400" dirty="0">
               <a:solidFill>
                 <a:schemeClr val="tx1"/>
               </a:solidFill>
             </a:endParaRPr>
-          </a:p>
-          <a:p>
-            <a:r>
-              <a:rPr lang="en-US" altLang="zh-TW" sz="1400" dirty="0">
-                <a:solidFill>
-                  <a:schemeClr val="tx1"/>
-                </a:solidFill>
-              </a:rPr>
-              <a:t>BLOG</a:t>
-            </a:r>
           </a:p>
           <a:p>
             <a:endParaRPr lang="en-US" altLang="zh-TW" sz="1400" dirty="0">
@@ -4513,6 +4486,68 @@
                 <a:schemeClr val="tx1"/>
               </a:solidFill>
             </a:endParaRPr>
+          </a:p>
+        </p:txBody>
+      </p:sp>
+      <p:sp>
+        <p:nvSpPr>
+          <p:cNvPr id="3" name="文字方塊 2"/>
+          <p:cNvSpPr txBox="1"/>
+          <p:nvPr/>
+        </p:nvSpPr>
+        <p:spPr>
+          <a:xfrm>
+            <a:off x="-2003598" y="1151384"/>
+            <a:ext cx="1584176" cy="2585323"/>
+          </a:xfrm>
+          <a:prstGeom prst="rect">
+            <a:avLst/>
+          </a:prstGeom>
+          <a:noFill/>
+        </p:spPr>
+        <p:txBody>
+          <a:bodyPr wrap="square" rtlCol="0">
+            <a:spAutoFit/>
+          </a:bodyPr>
+          <a:lstStyle/>
+          <a:p>
+            <a:r>
+              <a:rPr lang="zh-TW" altLang="en-US" dirty="0" smtClean="0"/>
+              <a:t>不同於</a:t>
+            </a:r>
+            <a:r>
+              <a:rPr lang="en-US" altLang="zh-TW" dirty="0" smtClean="0"/>
+              <a:t>MD</a:t>
+            </a:r>
+            <a:r>
+              <a:rPr lang="zh-TW" altLang="en-US" dirty="0" smtClean="0"/>
+              <a:t>尺寸網頁，漢堡選單的功能直接和</a:t>
+            </a:r>
+            <a:r>
+              <a:rPr lang="en-US" altLang="zh-TW" dirty="0" smtClean="0"/>
+              <a:t>Logo</a:t>
+            </a:r>
+            <a:r>
+              <a:rPr lang="zh-TW" altLang="en-US" dirty="0" smtClean="0"/>
+              <a:t>結合，點選</a:t>
+            </a:r>
+            <a:r>
+              <a:rPr lang="en-US" altLang="zh-TW" dirty="0" smtClean="0"/>
+              <a:t>Logo</a:t>
+            </a:r>
+            <a:r>
+              <a:rPr lang="zh-TW" altLang="en-US" dirty="0" smtClean="0"/>
+              <a:t>就可教出漢堡選單，而</a:t>
+            </a:r>
+            <a:r>
+              <a:rPr lang="en-US" altLang="zh-TW" dirty="0" smtClean="0"/>
+              <a:t>Slide</a:t>
+            </a:r>
+            <a:r>
+              <a:rPr lang="zh-TW" altLang="en-US" dirty="0" smtClean="0"/>
+              <a:t>也改成直接左右滑動來控制</a:t>
+            </a:r>
+            <a:endParaRPr lang="zh-TW" altLang="en-US" dirty="0"/>
           </a:p>
         </p:txBody>
       </p:sp>
